--- a/trunk/Training/GAPQ2017/PPT/15 PVSystem Model.pptx
+++ b/trunk/Training/GAPQ2017/PPT/15 PVSystem Model.pptx
@@ -247,7 +247,7 @@
           <a:p>
             <a:fld id="{21D603EA-85D6-422C-AB10-17A2A7923832}" type="datetimeFigureOut">
               <a:rPr lang="en-US" smtClean="0"/>
-              <a:t>6/14/2017</a:t>
+              <a:t>6/23/2017</a:t>
             </a:fld>
             <a:endParaRPr lang="en-US" dirty="0"/>
           </a:p>
@@ -5862,6 +5862,17 @@
             </a:r>
           </a:p>
           <a:p>
+            <a:pPr lvl="1">
+              <a:spcAft>
+                <a:spcPct val="75000"/>
+              </a:spcAft>
+            </a:pPr>
+            <a:r>
+              <a:rPr lang="en-US" dirty="0"/>
+              <a:t>Conservative Rule-of-thumb:  2 x Full Output Rating of Inverter for 1 cycle (three-phase fault)</a:t>
+            </a:r>
+          </a:p>
+          <a:p>
             <a:pPr>
               <a:spcAft>
                 <a:spcPct val="75000"/>
@@ -5869,7 +5880,7 @@
             </a:pPr>
             <a:r>
               <a:rPr lang="en-US" dirty="0"/>
-              <a:t>Conservative Rule-of-thumb:  2 x Full Output Rating of Inverter for 1 cycle (three-phase fault)</a:t>
+              <a:t>Other testing has been performed by EPRI, Southern California Edison, NREL, PV inverter manufacturers, etc</a:t>
             </a:r>
           </a:p>
           <a:p>
@@ -5880,17 +5891,6 @@
             </a:pPr>
             <a:r>
               <a:rPr lang="en-US" dirty="0"/>
-              <a:t>Other testing has been performed by Southern California Edison, NREL, PV inverter manufacturers, etc</a:t>
-            </a:r>
-          </a:p>
-          <a:p>
-            <a:pPr>
-              <a:spcAft>
-                <a:spcPct val="75000"/>
-              </a:spcAft>
-            </a:pPr>
-            <a:r>
-              <a:rPr lang="en-US" dirty="0"/>
               <a:t>Inverters generally shut down at 1.2 </a:t>
             </a:r>
             <a:r>
@@ -5910,7 +5910,7 @@
             </a:pPr>
             <a:r>
               <a:rPr lang="en-US" dirty="0"/>
-              <a:t>May be 3-4 times pre-fault current</a:t>
+              <a:t>May be 3-4 times pre-fault load current</a:t>
             </a:r>
           </a:p>
           <a:p>
@@ -7711,7 +7711,7 @@
               <a:t>Can also be used with the </a:t>
             </a:r>
             <a:r>
-              <a:rPr lang="en-US" altLang="en-US" dirty="0" err="1"/>
+              <a:rPr lang="en-US" altLang="en-US" b="1" dirty="0" err="1"/>
               <a:t>InvControl</a:t>
             </a:r>
             <a:r>
@@ -7725,16 +7725,6 @@
             <a:r>
               <a:rPr lang="en-US" altLang="en-US" dirty="0"/>
               <a:t>, volt-watt, and dynamic reactive current.</a:t>
-            </a:r>
-          </a:p>
-          <a:p>
-            <a:r>
-              <a:rPr lang="en-US" altLang="en-US" dirty="0" err="1"/>
-              <a:t>InvControl</a:t>
-            </a:r>
-            <a:r>
-              <a:rPr lang="en-US" altLang="en-US" dirty="0"/>
-              <a:t> usage to be covered later today</a:t>
             </a:r>
           </a:p>
           <a:p>
@@ -10168,20 +10158,20 @@
 </file>
 
 <file path=customXml/item1.xml><?xml version="1.0" encoding="utf-8"?>
+<p:properties xmlns:p="http://schemas.microsoft.com/office/2006/metadata/properties" xmlns:xsi="http://www.w3.org/2001/XMLSchema-instance" xmlns:pc="http://schemas.microsoft.com/office/infopath/2007/PartnerControls">
+  <documentManagement>
+    <Category xmlns="9d4eb815-23ed-48d9-b0c1-2b9ce0016f4e">EPRI PowerPoint Template</Category>
+  </documentManagement>
+</p:properties>
+</file>
+
+<file path=customXml/item2.xml><?xml version="1.0" encoding="utf-8"?>
 <?mso-contentType ?>
 <FormTemplates xmlns="http://schemas.microsoft.com/sharepoint/v3/contenttype/forms">
   <Display>DocumentLibraryForm</Display>
   <Edit>DocumentLibraryForm</Edit>
   <New>DocumentLibraryForm</New>
 </FormTemplates>
-</file>
-
-<file path=customXml/item2.xml><?xml version="1.0" encoding="utf-8"?>
-<p:properties xmlns:p="http://schemas.microsoft.com/office/2006/metadata/properties" xmlns:xsi="http://www.w3.org/2001/XMLSchema-instance" xmlns:pc="http://schemas.microsoft.com/office/infopath/2007/PartnerControls">
-  <documentManagement>
-    <Category xmlns="9d4eb815-23ed-48d9-b0c1-2b9ce0016f4e">EPRI PowerPoint Template</Category>
-  </documentManagement>
-</p:properties>
 </file>
 
 <file path=customXml/item3.xml><?xml version="1.0" encoding="utf-8"?>
@@ -10317,14 +10307,6 @@
 </file>
 
 <file path=customXml/itemProps1.xml><?xml version="1.0" encoding="utf-8"?>
-<ds:datastoreItem xmlns:ds="http://schemas.openxmlformats.org/officeDocument/2006/customXml" ds:itemID="{F99B5431-8C26-478B-808F-26BED01B748B}">
-  <ds:schemaRefs>
-    <ds:schemaRef ds:uri="http://schemas.microsoft.com/sharepoint/v3/contenttype/forms"/>
-  </ds:schemaRefs>
-</ds:datastoreItem>
-</file>
-
-<file path=customXml/itemProps2.xml><?xml version="1.0" encoding="utf-8"?>
 <ds:datastoreItem xmlns:ds="http://schemas.openxmlformats.org/officeDocument/2006/customXml" ds:itemID="{CB3A9CD0-2239-4A17-AE12-8DE9BDDF5A58}">
   <ds:schemaRefs>
     <ds:schemaRef ds:uri="9d4eb815-23ed-48d9-b0c1-2b9ce0016f4e"/>
@@ -10336,6 +10318,14 @@
     <ds:schemaRef ds:uri="http://schemas.microsoft.com/office/2006/metadata/properties"/>
     <ds:schemaRef ds:uri="http://www.w3.org/XML/1998/namespace"/>
     <ds:schemaRef ds:uri="http://purl.org/dc/dcmitype/"/>
+  </ds:schemaRefs>
+</ds:datastoreItem>
+</file>
+
+<file path=customXml/itemProps2.xml><?xml version="1.0" encoding="utf-8"?>
+<ds:datastoreItem xmlns:ds="http://schemas.openxmlformats.org/officeDocument/2006/customXml" ds:itemID="{F99B5431-8C26-478B-808F-26BED01B748B}">
+  <ds:schemaRefs>
+    <ds:schemaRef ds:uri="http://schemas.microsoft.com/sharepoint/v3/contenttype/forms"/>
   </ds:schemaRefs>
 </ds:datastoreItem>
 </file>
